--- a/ppt 16-9/1202.求主赐恩.pptx
+++ b/ppt 16-9/1202.求主赐恩.pptx
@@ -129,7 +129,7 @@
           <p:cNvPr id="2" name="标题 1">
             <a:extLst>
               <a:ext uri="{FF2B5EF4-FFF2-40B4-BE49-F238E27FC236}">
-                <a16:creationId xmlns:a16="http://schemas.microsoft.com/office/drawing/2014/main" id="{07BAB678-AFBF-E23C-F1A0-E7E28568176D}"/>
+                <a16:creationId xmlns:a16="http://schemas.microsoft.com/office/drawing/2014/main" id="{8AC3D82B-659A-32F4-4B37-4F5BED96AF78}"/>
               </a:ext>
             </a:extLst>
           </p:cNvPr>
@@ -166,7 +166,7 @@
           <p:cNvPr id="3" name="副标题 2">
             <a:extLst>
               <a:ext uri="{FF2B5EF4-FFF2-40B4-BE49-F238E27FC236}">
-                <a16:creationId xmlns:a16="http://schemas.microsoft.com/office/drawing/2014/main" id="{EA8E83C6-546B-3FA3-A787-4C43075A6620}"/>
+                <a16:creationId xmlns:a16="http://schemas.microsoft.com/office/drawing/2014/main" id="{BA79B58D-4B55-663E-80EC-797754C617BB}"/>
               </a:ext>
             </a:extLst>
           </p:cNvPr>
@@ -236,7 +236,7 @@
           <p:cNvPr id="4" name="日期占位符 3">
             <a:extLst>
               <a:ext uri="{FF2B5EF4-FFF2-40B4-BE49-F238E27FC236}">
-                <a16:creationId xmlns:a16="http://schemas.microsoft.com/office/drawing/2014/main" id="{C60DFA94-C5A0-FA14-14F0-BD347C4EF110}"/>
+                <a16:creationId xmlns:a16="http://schemas.microsoft.com/office/drawing/2014/main" id="{62D57464-0B8C-77A2-4093-FCF5B23D00C0}"/>
               </a:ext>
             </a:extLst>
           </p:cNvPr>
@@ -252,7 +252,7 @@
           <a:bodyPr/>
           <a:lstStyle/>
           <a:p>
-            <a:fld id="{9498FEF7-3AC4-42D3-8BAD-AF826BA7375D}" type="datetimeFigureOut">
+            <a:fld id="{5300CAB4-60CC-4EF6-A319-762DD7F2B643}" type="datetimeFigureOut">
               <a:rPr lang="zh-CN" altLang="en-US" smtClean="0"/>
               <a:t>2024/3/10</a:t>
             </a:fld>
@@ -265,7 +265,7 @@
           <p:cNvPr id="5" name="页脚占位符 4">
             <a:extLst>
               <a:ext uri="{FF2B5EF4-FFF2-40B4-BE49-F238E27FC236}">
-                <a16:creationId xmlns:a16="http://schemas.microsoft.com/office/drawing/2014/main" id="{7B2932E8-3268-3AD8-0C6D-CE3BB0C94D0D}"/>
+                <a16:creationId xmlns:a16="http://schemas.microsoft.com/office/drawing/2014/main" id="{62082599-FDAA-D8E2-F52E-58C607411EDD}"/>
               </a:ext>
             </a:extLst>
           </p:cNvPr>
@@ -290,7 +290,7 @@
           <p:cNvPr id="6" name="灯片编号占位符 5">
             <a:extLst>
               <a:ext uri="{FF2B5EF4-FFF2-40B4-BE49-F238E27FC236}">
-                <a16:creationId xmlns:a16="http://schemas.microsoft.com/office/drawing/2014/main" id="{BDCE2FA6-0BFF-8C99-ED27-887400B51380}"/>
+                <a16:creationId xmlns:a16="http://schemas.microsoft.com/office/drawing/2014/main" id="{8688568A-AA42-3873-F6A0-14C83807D3CB}"/>
               </a:ext>
             </a:extLst>
           </p:cNvPr>
@@ -306,7 +306,7 @@
           <a:bodyPr/>
           <a:lstStyle/>
           <a:p>
-            <a:fld id="{E30CFDDB-3623-411C-9577-7D3FD5A7079D}" type="slidenum">
+            <a:fld id="{9CD1CFEB-C010-4FA4-A83F-9C14DBDC4D24}" type="slidenum">
               <a:rPr lang="zh-CN" altLang="en-US" smtClean="0"/>
               <a:t>‹#›</a:t>
             </a:fld>
@@ -317,7 +317,7 @@
     </p:spTree>
     <p:extLst>
       <p:ext uri="{BB962C8B-B14F-4D97-AF65-F5344CB8AC3E}">
-        <p14:creationId xmlns:p14="http://schemas.microsoft.com/office/powerpoint/2010/main" val="1862757382"/>
+        <p14:creationId xmlns:p14="http://schemas.microsoft.com/office/powerpoint/2010/main" val="1749058606"/>
       </p:ext>
     </p:extLst>
   </p:cSld>
@@ -349,7 +349,7 @@
           <p:cNvPr id="2" name="标题 1">
             <a:extLst>
               <a:ext uri="{FF2B5EF4-FFF2-40B4-BE49-F238E27FC236}">
-                <a16:creationId xmlns:a16="http://schemas.microsoft.com/office/drawing/2014/main" id="{202F2E49-F1B8-2444-5A21-BF3A474633D0}"/>
+                <a16:creationId xmlns:a16="http://schemas.microsoft.com/office/drawing/2014/main" id="{49E59BFB-599A-C8D1-E33A-35EDDC2E72C6}"/>
               </a:ext>
             </a:extLst>
           </p:cNvPr>
@@ -377,7 +377,7 @@
           <p:cNvPr id="3" name="竖排文字占位符 2">
             <a:extLst>
               <a:ext uri="{FF2B5EF4-FFF2-40B4-BE49-F238E27FC236}">
-                <a16:creationId xmlns:a16="http://schemas.microsoft.com/office/drawing/2014/main" id="{B6A060A8-B3E4-E6F2-9586-4786F9A4739E}"/>
+                <a16:creationId xmlns:a16="http://schemas.microsoft.com/office/drawing/2014/main" id="{9DA9E958-7039-B878-DE58-A01E5253C2A6}"/>
               </a:ext>
             </a:extLst>
           </p:cNvPr>
@@ -434,7 +434,7 @@
           <p:cNvPr id="4" name="日期占位符 3">
             <a:extLst>
               <a:ext uri="{FF2B5EF4-FFF2-40B4-BE49-F238E27FC236}">
-                <a16:creationId xmlns:a16="http://schemas.microsoft.com/office/drawing/2014/main" id="{07E83502-BD1B-DB01-8389-437E27C100FC}"/>
+                <a16:creationId xmlns:a16="http://schemas.microsoft.com/office/drawing/2014/main" id="{03F5159D-EAA9-F36B-7A93-159273D8AD63}"/>
               </a:ext>
             </a:extLst>
           </p:cNvPr>
@@ -450,7 +450,7 @@
           <a:bodyPr/>
           <a:lstStyle/>
           <a:p>
-            <a:fld id="{9498FEF7-3AC4-42D3-8BAD-AF826BA7375D}" type="datetimeFigureOut">
+            <a:fld id="{5300CAB4-60CC-4EF6-A319-762DD7F2B643}" type="datetimeFigureOut">
               <a:rPr lang="zh-CN" altLang="en-US" smtClean="0"/>
               <a:t>2024/3/10</a:t>
             </a:fld>
@@ -463,7 +463,7 @@
           <p:cNvPr id="5" name="页脚占位符 4">
             <a:extLst>
               <a:ext uri="{FF2B5EF4-FFF2-40B4-BE49-F238E27FC236}">
-                <a16:creationId xmlns:a16="http://schemas.microsoft.com/office/drawing/2014/main" id="{ED221ED6-6BF9-30A1-8AEC-7D7486BA0148}"/>
+                <a16:creationId xmlns:a16="http://schemas.microsoft.com/office/drawing/2014/main" id="{18391C7B-0C3D-E06E-8FD1-B63376D8E5F0}"/>
               </a:ext>
             </a:extLst>
           </p:cNvPr>
@@ -488,7 +488,7 @@
           <p:cNvPr id="6" name="灯片编号占位符 5">
             <a:extLst>
               <a:ext uri="{FF2B5EF4-FFF2-40B4-BE49-F238E27FC236}">
-                <a16:creationId xmlns:a16="http://schemas.microsoft.com/office/drawing/2014/main" id="{A6246531-3280-7A53-E659-6E703FFF0127}"/>
+                <a16:creationId xmlns:a16="http://schemas.microsoft.com/office/drawing/2014/main" id="{38AA02B4-BAAD-8316-6AA1-7A6698BB6CD7}"/>
               </a:ext>
             </a:extLst>
           </p:cNvPr>
@@ -504,7 +504,7 @@
           <a:bodyPr/>
           <a:lstStyle/>
           <a:p>
-            <a:fld id="{E30CFDDB-3623-411C-9577-7D3FD5A7079D}" type="slidenum">
+            <a:fld id="{9CD1CFEB-C010-4FA4-A83F-9C14DBDC4D24}" type="slidenum">
               <a:rPr lang="zh-CN" altLang="en-US" smtClean="0"/>
               <a:t>‹#›</a:t>
             </a:fld>
@@ -515,7 +515,7 @@
     </p:spTree>
     <p:extLst>
       <p:ext uri="{BB962C8B-B14F-4D97-AF65-F5344CB8AC3E}">
-        <p14:creationId xmlns:p14="http://schemas.microsoft.com/office/powerpoint/2010/main" val="2325099345"/>
+        <p14:creationId xmlns:p14="http://schemas.microsoft.com/office/powerpoint/2010/main" val="1327680529"/>
       </p:ext>
     </p:extLst>
   </p:cSld>
@@ -547,7 +547,7 @@
           <p:cNvPr id="2" name="竖排标题 1">
             <a:extLst>
               <a:ext uri="{FF2B5EF4-FFF2-40B4-BE49-F238E27FC236}">
-                <a16:creationId xmlns:a16="http://schemas.microsoft.com/office/drawing/2014/main" id="{1C4C9B35-D786-14BA-9522-0775CF28581F}"/>
+                <a16:creationId xmlns:a16="http://schemas.microsoft.com/office/drawing/2014/main" id="{0DFECCB1-5E8A-F2D7-5382-ED7A6FAF3CD8}"/>
               </a:ext>
             </a:extLst>
           </p:cNvPr>
@@ -580,7 +580,7 @@
           <p:cNvPr id="3" name="竖排文字占位符 2">
             <a:extLst>
               <a:ext uri="{FF2B5EF4-FFF2-40B4-BE49-F238E27FC236}">
-                <a16:creationId xmlns:a16="http://schemas.microsoft.com/office/drawing/2014/main" id="{040F634D-2F4E-780D-B6D3-3DF6D67E29AD}"/>
+                <a16:creationId xmlns:a16="http://schemas.microsoft.com/office/drawing/2014/main" id="{FD758AF9-CA11-CAB6-2797-A0FC657E5C11}"/>
               </a:ext>
             </a:extLst>
           </p:cNvPr>
@@ -642,7 +642,7 @@
           <p:cNvPr id="4" name="日期占位符 3">
             <a:extLst>
               <a:ext uri="{FF2B5EF4-FFF2-40B4-BE49-F238E27FC236}">
-                <a16:creationId xmlns:a16="http://schemas.microsoft.com/office/drawing/2014/main" id="{A4B8717B-99F3-BAC8-0E73-1FE1563D3062}"/>
+                <a16:creationId xmlns:a16="http://schemas.microsoft.com/office/drawing/2014/main" id="{BB7AEED8-B9CB-4289-54FE-0E8FCA624FEE}"/>
               </a:ext>
             </a:extLst>
           </p:cNvPr>
@@ -658,7 +658,7 @@
           <a:bodyPr/>
           <a:lstStyle/>
           <a:p>
-            <a:fld id="{9498FEF7-3AC4-42D3-8BAD-AF826BA7375D}" type="datetimeFigureOut">
+            <a:fld id="{5300CAB4-60CC-4EF6-A319-762DD7F2B643}" type="datetimeFigureOut">
               <a:rPr lang="zh-CN" altLang="en-US" smtClean="0"/>
               <a:t>2024/3/10</a:t>
             </a:fld>
@@ -671,7 +671,7 @@
           <p:cNvPr id="5" name="页脚占位符 4">
             <a:extLst>
               <a:ext uri="{FF2B5EF4-FFF2-40B4-BE49-F238E27FC236}">
-                <a16:creationId xmlns:a16="http://schemas.microsoft.com/office/drawing/2014/main" id="{10696415-3BFF-D571-D16E-83238642B002}"/>
+                <a16:creationId xmlns:a16="http://schemas.microsoft.com/office/drawing/2014/main" id="{562A4F72-918D-EEE1-2C83-E94156631EDB}"/>
               </a:ext>
             </a:extLst>
           </p:cNvPr>
@@ -696,7 +696,7 @@
           <p:cNvPr id="6" name="灯片编号占位符 5">
             <a:extLst>
               <a:ext uri="{FF2B5EF4-FFF2-40B4-BE49-F238E27FC236}">
-                <a16:creationId xmlns:a16="http://schemas.microsoft.com/office/drawing/2014/main" id="{D420E404-96C5-D9D2-EA70-80A60A57E491}"/>
+                <a16:creationId xmlns:a16="http://schemas.microsoft.com/office/drawing/2014/main" id="{7586019E-C5A1-F824-F788-BE1DE40CBAFA}"/>
               </a:ext>
             </a:extLst>
           </p:cNvPr>
@@ -712,7 +712,7 @@
           <a:bodyPr/>
           <a:lstStyle/>
           <a:p>
-            <a:fld id="{E30CFDDB-3623-411C-9577-7D3FD5A7079D}" type="slidenum">
+            <a:fld id="{9CD1CFEB-C010-4FA4-A83F-9C14DBDC4D24}" type="slidenum">
               <a:rPr lang="zh-CN" altLang="en-US" smtClean="0"/>
               <a:t>‹#›</a:t>
             </a:fld>
@@ -723,7 +723,7 @@
     </p:spTree>
     <p:extLst>
       <p:ext uri="{BB962C8B-B14F-4D97-AF65-F5344CB8AC3E}">
-        <p14:creationId xmlns:p14="http://schemas.microsoft.com/office/powerpoint/2010/main" val="4119980089"/>
+        <p14:creationId xmlns:p14="http://schemas.microsoft.com/office/powerpoint/2010/main" val="2263800080"/>
       </p:ext>
     </p:extLst>
   </p:cSld>
@@ -755,7 +755,7 @@
           <p:cNvPr id="2" name="标题 1">
             <a:extLst>
               <a:ext uri="{FF2B5EF4-FFF2-40B4-BE49-F238E27FC236}">
-                <a16:creationId xmlns:a16="http://schemas.microsoft.com/office/drawing/2014/main" id="{B37C2B4B-82E8-7D28-FE8B-00E726187709}"/>
+                <a16:creationId xmlns:a16="http://schemas.microsoft.com/office/drawing/2014/main" id="{D904F249-7553-2B30-46AE-6E38ABBA96F7}"/>
               </a:ext>
             </a:extLst>
           </p:cNvPr>
@@ -783,7 +783,7 @@
           <p:cNvPr id="3" name="内容占位符 2">
             <a:extLst>
               <a:ext uri="{FF2B5EF4-FFF2-40B4-BE49-F238E27FC236}">
-                <a16:creationId xmlns:a16="http://schemas.microsoft.com/office/drawing/2014/main" id="{3125D4C3-A925-C278-FF62-E45642782C7B}"/>
+                <a16:creationId xmlns:a16="http://schemas.microsoft.com/office/drawing/2014/main" id="{F9F035AF-9F34-D483-9EEE-8D1B58BD6A5F}"/>
               </a:ext>
             </a:extLst>
           </p:cNvPr>
@@ -840,7 +840,7 @@
           <p:cNvPr id="4" name="日期占位符 3">
             <a:extLst>
               <a:ext uri="{FF2B5EF4-FFF2-40B4-BE49-F238E27FC236}">
-                <a16:creationId xmlns:a16="http://schemas.microsoft.com/office/drawing/2014/main" id="{6C9E756A-A55C-EC4E-2949-5EFF210FBB7C}"/>
+                <a16:creationId xmlns:a16="http://schemas.microsoft.com/office/drawing/2014/main" id="{F39F85BD-3DE5-0711-06A6-4AFE86044C15}"/>
               </a:ext>
             </a:extLst>
           </p:cNvPr>
@@ -856,7 +856,7 @@
           <a:bodyPr/>
           <a:lstStyle/>
           <a:p>
-            <a:fld id="{9498FEF7-3AC4-42D3-8BAD-AF826BA7375D}" type="datetimeFigureOut">
+            <a:fld id="{5300CAB4-60CC-4EF6-A319-762DD7F2B643}" type="datetimeFigureOut">
               <a:rPr lang="zh-CN" altLang="en-US" smtClean="0"/>
               <a:t>2024/3/10</a:t>
             </a:fld>
@@ -869,7 +869,7 @@
           <p:cNvPr id="5" name="页脚占位符 4">
             <a:extLst>
               <a:ext uri="{FF2B5EF4-FFF2-40B4-BE49-F238E27FC236}">
-                <a16:creationId xmlns:a16="http://schemas.microsoft.com/office/drawing/2014/main" id="{6BE84719-7913-6545-1737-49A383F151F2}"/>
+                <a16:creationId xmlns:a16="http://schemas.microsoft.com/office/drawing/2014/main" id="{99CB2BA8-7427-146B-7A26-360FAA8E6B44}"/>
               </a:ext>
             </a:extLst>
           </p:cNvPr>
@@ -894,7 +894,7 @@
           <p:cNvPr id="6" name="灯片编号占位符 5">
             <a:extLst>
               <a:ext uri="{FF2B5EF4-FFF2-40B4-BE49-F238E27FC236}">
-                <a16:creationId xmlns:a16="http://schemas.microsoft.com/office/drawing/2014/main" id="{942C439C-A01C-4EB4-B7AA-03FDE52DD96A}"/>
+                <a16:creationId xmlns:a16="http://schemas.microsoft.com/office/drawing/2014/main" id="{E9B70359-C793-6FC2-EB94-8C1B6902EA97}"/>
               </a:ext>
             </a:extLst>
           </p:cNvPr>
@@ -910,7 +910,7 @@
           <a:bodyPr/>
           <a:lstStyle/>
           <a:p>
-            <a:fld id="{E30CFDDB-3623-411C-9577-7D3FD5A7079D}" type="slidenum">
+            <a:fld id="{9CD1CFEB-C010-4FA4-A83F-9C14DBDC4D24}" type="slidenum">
               <a:rPr lang="zh-CN" altLang="en-US" smtClean="0"/>
               <a:t>‹#›</a:t>
             </a:fld>
@@ -921,7 +921,7 @@
     </p:spTree>
     <p:extLst>
       <p:ext uri="{BB962C8B-B14F-4D97-AF65-F5344CB8AC3E}">
-        <p14:creationId xmlns:p14="http://schemas.microsoft.com/office/powerpoint/2010/main" val="3613768161"/>
+        <p14:creationId xmlns:p14="http://schemas.microsoft.com/office/powerpoint/2010/main" val="3895111704"/>
       </p:ext>
     </p:extLst>
   </p:cSld>
@@ -953,7 +953,7 @@
           <p:cNvPr id="2" name="标题 1">
             <a:extLst>
               <a:ext uri="{FF2B5EF4-FFF2-40B4-BE49-F238E27FC236}">
-                <a16:creationId xmlns:a16="http://schemas.microsoft.com/office/drawing/2014/main" id="{BBC9F6DF-9EED-1229-6460-A1D391A1029F}"/>
+                <a16:creationId xmlns:a16="http://schemas.microsoft.com/office/drawing/2014/main" id="{89A953B9-3224-6458-CDF5-580E9678DB63}"/>
               </a:ext>
             </a:extLst>
           </p:cNvPr>
@@ -990,7 +990,7 @@
           <p:cNvPr id="3" name="文本占位符 2">
             <a:extLst>
               <a:ext uri="{FF2B5EF4-FFF2-40B4-BE49-F238E27FC236}">
-                <a16:creationId xmlns:a16="http://schemas.microsoft.com/office/drawing/2014/main" id="{BEA2C384-C273-88CB-1DF7-18FB78CAB3DB}"/>
+                <a16:creationId xmlns:a16="http://schemas.microsoft.com/office/drawing/2014/main" id="{A99FCB6D-5C06-E710-5901-690496A4BE72}"/>
               </a:ext>
             </a:extLst>
           </p:cNvPr>
@@ -1115,7 +1115,7 @@
           <p:cNvPr id="4" name="日期占位符 3">
             <a:extLst>
               <a:ext uri="{FF2B5EF4-FFF2-40B4-BE49-F238E27FC236}">
-                <a16:creationId xmlns:a16="http://schemas.microsoft.com/office/drawing/2014/main" id="{4AC8BFB7-913A-6BE4-FA94-71A2DF526530}"/>
+                <a16:creationId xmlns:a16="http://schemas.microsoft.com/office/drawing/2014/main" id="{1B3080FA-C231-ECCC-D6E0-96598CED8696}"/>
               </a:ext>
             </a:extLst>
           </p:cNvPr>
@@ -1131,7 +1131,7 @@
           <a:bodyPr/>
           <a:lstStyle/>
           <a:p>
-            <a:fld id="{9498FEF7-3AC4-42D3-8BAD-AF826BA7375D}" type="datetimeFigureOut">
+            <a:fld id="{5300CAB4-60CC-4EF6-A319-762DD7F2B643}" type="datetimeFigureOut">
               <a:rPr lang="zh-CN" altLang="en-US" smtClean="0"/>
               <a:t>2024/3/10</a:t>
             </a:fld>
@@ -1144,7 +1144,7 @@
           <p:cNvPr id="5" name="页脚占位符 4">
             <a:extLst>
               <a:ext uri="{FF2B5EF4-FFF2-40B4-BE49-F238E27FC236}">
-                <a16:creationId xmlns:a16="http://schemas.microsoft.com/office/drawing/2014/main" id="{D8C53610-30AF-44F7-EFDB-B65B1546FF7E}"/>
+                <a16:creationId xmlns:a16="http://schemas.microsoft.com/office/drawing/2014/main" id="{03D752A1-3CCF-92D0-10A7-0D9B915B435A}"/>
               </a:ext>
             </a:extLst>
           </p:cNvPr>
@@ -1169,7 +1169,7 @@
           <p:cNvPr id="6" name="灯片编号占位符 5">
             <a:extLst>
               <a:ext uri="{FF2B5EF4-FFF2-40B4-BE49-F238E27FC236}">
-                <a16:creationId xmlns:a16="http://schemas.microsoft.com/office/drawing/2014/main" id="{1D372C25-4B97-C8FE-687F-BBA44892B1F9}"/>
+                <a16:creationId xmlns:a16="http://schemas.microsoft.com/office/drawing/2014/main" id="{F2F7062D-9B0E-5537-DFA5-4D849BE2DDE1}"/>
               </a:ext>
             </a:extLst>
           </p:cNvPr>
@@ -1185,7 +1185,7 @@
           <a:bodyPr/>
           <a:lstStyle/>
           <a:p>
-            <a:fld id="{E30CFDDB-3623-411C-9577-7D3FD5A7079D}" type="slidenum">
+            <a:fld id="{9CD1CFEB-C010-4FA4-A83F-9C14DBDC4D24}" type="slidenum">
               <a:rPr lang="zh-CN" altLang="en-US" smtClean="0"/>
               <a:t>‹#›</a:t>
             </a:fld>
@@ -1196,7 +1196,7 @@
     </p:spTree>
     <p:extLst>
       <p:ext uri="{BB962C8B-B14F-4D97-AF65-F5344CB8AC3E}">
-        <p14:creationId xmlns:p14="http://schemas.microsoft.com/office/powerpoint/2010/main" val="2910056690"/>
+        <p14:creationId xmlns:p14="http://schemas.microsoft.com/office/powerpoint/2010/main" val="746232565"/>
       </p:ext>
     </p:extLst>
   </p:cSld>
@@ -1228,7 +1228,7 @@
           <p:cNvPr id="2" name="标题 1">
             <a:extLst>
               <a:ext uri="{FF2B5EF4-FFF2-40B4-BE49-F238E27FC236}">
-                <a16:creationId xmlns:a16="http://schemas.microsoft.com/office/drawing/2014/main" id="{ADEBE70A-B186-E2F1-D86B-D3CD446F28FB}"/>
+                <a16:creationId xmlns:a16="http://schemas.microsoft.com/office/drawing/2014/main" id="{ABC7CDC8-109D-BBAD-1D99-0699DF477D7E}"/>
               </a:ext>
             </a:extLst>
           </p:cNvPr>
@@ -1256,7 +1256,7 @@
           <p:cNvPr id="3" name="内容占位符 2">
             <a:extLst>
               <a:ext uri="{FF2B5EF4-FFF2-40B4-BE49-F238E27FC236}">
-                <a16:creationId xmlns:a16="http://schemas.microsoft.com/office/drawing/2014/main" id="{B4748FE0-C712-ADEF-9C17-03FF97D28C54}"/>
+                <a16:creationId xmlns:a16="http://schemas.microsoft.com/office/drawing/2014/main" id="{2EFCC38B-C03C-5ECE-C31C-476B6F2CE88F}"/>
               </a:ext>
             </a:extLst>
           </p:cNvPr>
@@ -1318,7 +1318,7 @@
           <p:cNvPr id="4" name="内容占位符 3">
             <a:extLst>
               <a:ext uri="{FF2B5EF4-FFF2-40B4-BE49-F238E27FC236}">
-                <a16:creationId xmlns:a16="http://schemas.microsoft.com/office/drawing/2014/main" id="{516BE1AA-2F57-83EF-640A-78A028497ABB}"/>
+                <a16:creationId xmlns:a16="http://schemas.microsoft.com/office/drawing/2014/main" id="{3745B9FD-0014-AF72-7004-89A66B254D16}"/>
               </a:ext>
             </a:extLst>
           </p:cNvPr>
@@ -1380,7 +1380,7 @@
           <p:cNvPr id="5" name="日期占位符 4">
             <a:extLst>
               <a:ext uri="{FF2B5EF4-FFF2-40B4-BE49-F238E27FC236}">
-                <a16:creationId xmlns:a16="http://schemas.microsoft.com/office/drawing/2014/main" id="{F43D229D-F321-2909-955E-63870C1832F9}"/>
+                <a16:creationId xmlns:a16="http://schemas.microsoft.com/office/drawing/2014/main" id="{E5441846-A9C7-1983-FA99-294CDE1B4125}"/>
               </a:ext>
             </a:extLst>
           </p:cNvPr>
@@ -1396,7 +1396,7 @@
           <a:bodyPr/>
           <a:lstStyle/>
           <a:p>
-            <a:fld id="{9498FEF7-3AC4-42D3-8BAD-AF826BA7375D}" type="datetimeFigureOut">
+            <a:fld id="{5300CAB4-60CC-4EF6-A319-762DD7F2B643}" type="datetimeFigureOut">
               <a:rPr lang="zh-CN" altLang="en-US" smtClean="0"/>
               <a:t>2024/3/10</a:t>
             </a:fld>
@@ -1409,7 +1409,7 @@
           <p:cNvPr id="6" name="页脚占位符 5">
             <a:extLst>
               <a:ext uri="{FF2B5EF4-FFF2-40B4-BE49-F238E27FC236}">
-                <a16:creationId xmlns:a16="http://schemas.microsoft.com/office/drawing/2014/main" id="{88570F55-0FE9-BA03-BBF2-76008947E65F}"/>
+                <a16:creationId xmlns:a16="http://schemas.microsoft.com/office/drawing/2014/main" id="{D0584E0B-488E-E4DB-6A2B-71798692E521}"/>
               </a:ext>
             </a:extLst>
           </p:cNvPr>
@@ -1434,7 +1434,7 @@
           <p:cNvPr id="7" name="灯片编号占位符 6">
             <a:extLst>
               <a:ext uri="{FF2B5EF4-FFF2-40B4-BE49-F238E27FC236}">
-                <a16:creationId xmlns:a16="http://schemas.microsoft.com/office/drawing/2014/main" id="{40F19840-9359-96B4-CEBF-49AEAD65B091}"/>
+                <a16:creationId xmlns:a16="http://schemas.microsoft.com/office/drawing/2014/main" id="{A498B39B-4A09-E18A-ED59-7EDD824E5AFB}"/>
               </a:ext>
             </a:extLst>
           </p:cNvPr>
@@ -1450,7 +1450,7 @@
           <a:bodyPr/>
           <a:lstStyle/>
           <a:p>
-            <a:fld id="{E30CFDDB-3623-411C-9577-7D3FD5A7079D}" type="slidenum">
+            <a:fld id="{9CD1CFEB-C010-4FA4-A83F-9C14DBDC4D24}" type="slidenum">
               <a:rPr lang="zh-CN" altLang="en-US" smtClean="0"/>
               <a:t>‹#›</a:t>
             </a:fld>
@@ -1461,7 +1461,7 @@
     </p:spTree>
     <p:extLst>
       <p:ext uri="{BB962C8B-B14F-4D97-AF65-F5344CB8AC3E}">
-        <p14:creationId xmlns:p14="http://schemas.microsoft.com/office/powerpoint/2010/main" val="3109547596"/>
+        <p14:creationId xmlns:p14="http://schemas.microsoft.com/office/powerpoint/2010/main" val="1415273962"/>
       </p:ext>
     </p:extLst>
   </p:cSld>
@@ -1493,7 +1493,7 @@
           <p:cNvPr id="2" name="标题 1">
             <a:extLst>
               <a:ext uri="{FF2B5EF4-FFF2-40B4-BE49-F238E27FC236}">
-                <a16:creationId xmlns:a16="http://schemas.microsoft.com/office/drawing/2014/main" id="{42FC0CF0-FD6D-F7CD-6470-219AE5574D59}"/>
+                <a16:creationId xmlns:a16="http://schemas.microsoft.com/office/drawing/2014/main" id="{15457950-232F-424E-B5DB-BB9CA8C956E6}"/>
               </a:ext>
             </a:extLst>
           </p:cNvPr>
@@ -1526,7 +1526,7 @@
           <p:cNvPr id="3" name="文本占位符 2">
             <a:extLst>
               <a:ext uri="{FF2B5EF4-FFF2-40B4-BE49-F238E27FC236}">
-                <a16:creationId xmlns:a16="http://schemas.microsoft.com/office/drawing/2014/main" id="{8829DB38-37F1-8757-CFF5-330778BA9C04}"/>
+                <a16:creationId xmlns:a16="http://schemas.microsoft.com/office/drawing/2014/main" id="{D48EA385-EE59-62BA-BD4F-251DA981BB67}"/>
               </a:ext>
             </a:extLst>
           </p:cNvPr>
@@ -1597,7 +1597,7 @@
           <p:cNvPr id="4" name="内容占位符 3">
             <a:extLst>
               <a:ext uri="{FF2B5EF4-FFF2-40B4-BE49-F238E27FC236}">
-                <a16:creationId xmlns:a16="http://schemas.microsoft.com/office/drawing/2014/main" id="{188AB9AF-280F-05B3-BE42-E5E9C327281F}"/>
+                <a16:creationId xmlns:a16="http://schemas.microsoft.com/office/drawing/2014/main" id="{75129852-86B6-3A40-F880-34479D08AA21}"/>
               </a:ext>
             </a:extLst>
           </p:cNvPr>
@@ -1659,7 +1659,7 @@
           <p:cNvPr id="5" name="文本占位符 4">
             <a:extLst>
               <a:ext uri="{FF2B5EF4-FFF2-40B4-BE49-F238E27FC236}">
-                <a16:creationId xmlns:a16="http://schemas.microsoft.com/office/drawing/2014/main" id="{5D2412E4-0DEE-F79D-C2CF-E80BC6F1D682}"/>
+                <a16:creationId xmlns:a16="http://schemas.microsoft.com/office/drawing/2014/main" id="{6131B6A3-BDB0-B209-1643-359A5DFCC39D}"/>
               </a:ext>
             </a:extLst>
           </p:cNvPr>
@@ -1730,7 +1730,7 @@
           <p:cNvPr id="6" name="内容占位符 5">
             <a:extLst>
               <a:ext uri="{FF2B5EF4-FFF2-40B4-BE49-F238E27FC236}">
-                <a16:creationId xmlns:a16="http://schemas.microsoft.com/office/drawing/2014/main" id="{145A21BC-AF3E-4999-2D59-4840143606BE}"/>
+                <a16:creationId xmlns:a16="http://schemas.microsoft.com/office/drawing/2014/main" id="{954A0581-2C69-45E7-9BB0-FD2A5471DD9F}"/>
               </a:ext>
             </a:extLst>
           </p:cNvPr>
@@ -1792,7 +1792,7 @@
           <p:cNvPr id="7" name="日期占位符 6">
             <a:extLst>
               <a:ext uri="{FF2B5EF4-FFF2-40B4-BE49-F238E27FC236}">
-                <a16:creationId xmlns:a16="http://schemas.microsoft.com/office/drawing/2014/main" id="{3F0B503D-6DBB-8322-0164-46B9A75F6360}"/>
+                <a16:creationId xmlns:a16="http://schemas.microsoft.com/office/drawing/2014/main" id="{3F6275B6-C9CF-2FA9-D103-A2CB40D412B4}"/>
               </a:ext>
             </a:extLst>
           </p:cNvPr>
@@ -1808,7 +1808,7 @@
           <a:bodyPr/>
           <a:lstStyle/>
           <a:p>
-            <a:fld id="{9498FEF7-3AC4-42D3-8BAD-AF826BA7375D}" type="datetimeFigureOut">
+            <a:fld id="{5300CAB4-60CC-4EF6-A319-762DD7F2B643}" type="datetimeFigureOut">
               <a:rPr lang="zh-CN" altLang="en-US" smtClean="0"/>
               <a:t>2024/3/10</a:t>
             </a:fld>
@@ -1821,7 +1821,7 @@
           <p:cNvPr id="8" name="页脚占位符 7">
             <a:extLst>
               <a:ext uri="{FF2B5EF4-FFF2-40B4-BE49-F238E27FC236}">
-                <a16:creationId xmlns:a16="http://schemas.microsoft.com/office/drawing/2014/main" id="{0F8F57B1-42F9-232B-262C-BB9614826BB2}"/>
+                <a16:creationId xmlns:a16="http://schemas.microsoft.com/office/drawing/2014/main" id="{3E366A13-6A64-6F77-DC52-5B3D0EF27DC0}"/>
               </a:ext>
             </a:extLst>
           </p:cNvPr>
@@ -1846,7 +1846,7 @@
           <p:cNvPr id="9" name="灯片编号占位符 8">
             <a:extLst>
               <a:ext uri="{FF2B5EF4-FFF2-40B4-BE49-F238E27FC236}">
-                <a16:creationId xmlns:a16="http://schemas.microsoft.com/office/drawing/2014/main" id="{7A0189F3-5E0E-8D26-24CE-CD0718F8D69A}"/>
+                <a16:creationId xmlns:a16="http://schemas.microsoft.com/office/drawing/2014/main" id="{BB704328-C8BA-5DC3-7BC4-99D6919184B3}"/>
               </a:ext>
             </a:extLst>
           </p:cNvPr>
@@ -1862,7 +1862,7 @@
           <a:bodyPr/>
           <a:lstStyle/>
           <a:p>
-            <a:fld id="{E30CFDDB-3623-411C-9577-7D3FD5A7079D}" type="slidenum">
+            <a:fld id="{9CD1CFEB-C010-4FA4-A83F-9C14DBDC4D24}" type="slidenum">
               <a:rPr lang="zh-CN" altLang="en-US" smtClean="0"/>
               <a:t>‹#›</a:t>
             </a:fld>
@@ -1873,7 +1873,7 @@
     </p:spTree>
     <p:extLst>
       <p:ext uri="{BB962C8B-B14F-4D97-AF65-F5344CB8AC3E}">
-        <p14:creationId xmlns:p14="http://schemas.microsoft.com/office/powerpoint/2010/main" val="1651166342"/>
+        <p14:creationId xmlns:p14="http://schemas.microsoft.com/office/powerpoint/2010/main" val="1553744689"/>
       </p:ext>
     </p:extLst>
   </p:cSld>
@@ -1905,7 +1905,7 @@
           <p:cNvPr id="2" name="标题 1">
             <a:extLst>
               <a:ext uri="{FF2B5EF4-FFF2-40B4-BE49-F238E27FC236}">
-                <a16:creationId xmlns:a16="http://schemas.microsoft.com/office/drawing/2014/main" id="{1CD1967D-9D8D-1303-2F01-FD1CCFBB7512}"/>
+                <a16:creationId xmlns:a16="http://schemas.microsoft.com/office/drawing/2014/main" id="{95ABD6BA-EE9B-210B-1B42-D6542CBB10CD}"/>
               </a:ext>
             </a:extLst>
           </p:cNvPr>
@@ -1933,7 +1933,7 @@
           <p:cNvPr id="3" name="日期占位符 2">
             <a:extLst>
               <a:ext uri="{FF2B5EF4-FFF2-40B4-BE49-F238E27FC236}">
-                <a16:creationId xmlns:a16="http://schemas.microsoft.com/office/drawing/2014/main" id="{EAD2A32A-FAD4-8D37-2520-164081A864DC}"/>
+                <a16:creationId xmlns:a16="http://schemas.microsoft.com/office/drawing/2014/main" id="{82C206CE-6CB0-4E47-A54B-42E4AC3A9824}"/>
               </a:ext>
             </a:extLst>
           </p:cNvPr>
@@ -1949,7 +1949,7 @@
           <a:bodyPr/>
           <a:lstStyle/>
           <a:p>
-            <a:fld id="{9498FEF7-3AC4-42D3-8BAD-AF826BA7375D}" type="datetimeFigureOut">
+            <a:fld id="{5300CAB4-60CC-4EF6-A319-762DD7F2B643}" type="datetimeFigureOut">
               <a:rPr lang="zh-CN" altLang="en-US" smtClean="0"/>
               <a:t>2024/3/10</a:t>
             </a:fld>
@@ -1962,7 +1962,7 @@
           <p:cNvPr id="4" name="页脚占位符 3">
             <a:extLst>
               <a:ext uri="{FF2B5EF4-FFF2-40B4-BE49-F238E27FC236}">
-                <a16:creationId xmlns:a16="http://schemas.microsoft.com/office/drawing/2014/main" id="{551B50FC-8B15-5307-2415-4288B7E92EBB}"/>
+                <a16:creationId xmlns:a16="http://schemas.microsoft.com/office/drawing/2014/main" id="{4B83AA35-7A1D-EF40-C710-E1311D4F0EBB}"/>
               </a:ext>
             </a:extLst>
           </p:cNvPr>
@@ -1987,7 +1987,7 @@
           <p:cNvPr id="5" name="灯片编号占位符 4">
             <a:extLst>
               <a:ext uri="{FF2B5EF4-FFF2-40B4-BE49-F238E27FC236}">
-                <a16:creationId xmlns:a16="http://schemas.microsoft.com/office/drawing/2014/main" id="{B4114465-A455-9A97-EADD-DCF754117CD4}"/>
+                <a16:creationId xmlns:a16="http://schemas.microsoft.com/office/drawing/2014/main" id="{78B280A8-9B66-C7A4-C9C3-C2791EFD5D94}"/>
               </a:ext>
             </a:extLst>
           </p:cNvPr>
@@ -2003,7 +2003,7 @@
           <a:bodyPr/>
           <a:lstStyle/>
           <a:p>
-            <a:fld id="{E30CFDDB-3623-411C-9577-7D3FD5A7079D}" type="slidenum">
+            <a:fld id="{9CD1CFEB-C010-4FA4-A83F-9C14DBDC4D24}" type="slidenum">
               <a:rPr lang="zh-CN" altLang="en-US" smtClean="0"/>
               <a:t>‹#›</a:t>
             </a:fld>
@@ -2014,7 +2014,7 @@
     </p:spTree>
     <p:extLst>
       <p:ext uri="{BB962C8B-B14F-4D97-AF65-F5344CB8AC3E}">
-        <p14:creationId xmlns:p14="http://schemas.microsoft.com/office/powerpoint/2010/main" val="672914571"/>
+        <p14:creationId xmlns:p14="http://schemas.microsoft.com/office/powerpoint/2010/main" val="4252572657"/>
       </p:ext>
     </p:extLst>
   </p:cSld>
@@ -2046,7 +2046,7 @@
           <p:cNvPr id="2" name="日期占位符 1">
             <a:extLst>
               <a:ext uri="{FF2B5EF4-FFF2-40B4-BE49-F238E27FC236}">
-                <a16:creationId xmlns:a16="http://schemas.microsoft.com/office/drawing/2014/main" id="{6F206EBC-5DAB-D3E0-9968-706782EB715E}"/>
+                <a16:creationId xmlns:a16="http://schemas.microsoft.com/office/drawing/2014/main" id="{0F42A0E7-AAAC-35ED-0A1B-FA5BC47A01C6}"/>
               </a:ext>
             </a:extLst>
           </p:cNvPr>
@@ -2062,7 +2062,7 @@
           <a:bodyPr/>
           <a:lstStyle/>
           <a:p>
-            <a:fld id="{9498FEF7-3AC4-42D3-8BAD-AF826BA7375D}" type="datetimeFigureOut">
+            <a:fld id="{5300CAB4-60CC-4EF6-A319-762DD7F2B643}" type="datetimeFigureOut">
               <a:rPr lang="zh-CN" altLang="en-US" smtClean="0"/>
               <a:t>2024/3/10</a:t>
             </a:fld>
@@ -2075,7 +2075,7 @@
           <p:cNvPr id="3" name="页脚占位符 2">
             <a:extLst>
               <a:ext uri="{FF2B5EF4-FFF2-40B4-BE49-F238E27FC236}">
-                <a16:creationId xmlns:a16="http://schemas.microsoft.com/office/drawing/2014/main" id="{F31A1D26-743B-6188-8B68-15ADA0D12157}"/>
+                <a16:creationId xmlns:a16="http://schemas.microsoft.com/office/drawing/2014/main" id="{16692303-9592-0F88-0273-B83AC40F7295}"/>
               </a:ext>
             </a:extLst>
           </p:cNvPr>
@@ -2100,7 +2100,7 @@
           <p:cNvPr id="4" name="灯片编号占位符 3">
             <a:extLst>
               <a:ext uri="{FF2B5EF4-FFF2-40B4-BE49-F238E27FC236}">
-                <a16:creationId xmlns:a16="http://schemas.microsoft.com/office/drawing/2014/main" id="{82F709AD-5501-A170-AE02-D630B97FFB43}"/>
+                <a16:creationId xmlns:a16="http://schemas.microsoft.com/office/drawing/2014/main" id="{660CCF38-2B76-1263-DB05-86DD6BD5533E}"/>
               </a:ext>
             </a:extLst>
           </p:cNvPr>
@@ -2116,7 +2116,7 @@
           <a:bodyPr/>
           <a:lstStyle/>
           <a:p>
-            <a:fld id="{E30CFDDB-3623-411C-9577-7D3FD5A7079D}" type="slidenum">
+            <a:fld id="{9CD1CFEB-C010-4FA4-A83F-9C14DBDC4D24}" type="slidenum">
               <a:rPr lang="zh-CN" altLang="en-US" smtClean="0"/>
               <a:t>‹#›</a:t>
             </a:fld>
@@ -2127,7 +2127,7 @@
     </p:spTree>
     <p:extLst>
       <p:ext uri="{BB962C8B-B14F-4D97-AF65-F5344CB8AC3E}">
-        <p14:creationId xmlns:p14="http://schemas.microsoft.com/office/powerpoint/2010/main" val="3169647896"/>
+        <p14:creationId xmlns:p14="http://schemas.microsoft.com/office/powerpoint/2010/main" val="326894780"/>
       </p:ext>
     </p:extLst>
   </p:cSld>
@@ -2159,7 +2159,7 @@
           <p:cNvPr id="2" name="标题 1">
             <a:extLst>
               <a:ext uri="{FF2B5EF4-FFF2-40B4-BE49-F238E27FC236}">
-                <a16:creationId xmlns:a16="http://schemas.microsoft.com/office/drawing/2014/main" id="{9D791958-EE0E-DA73-2013-F35972982DB2}"/>
+                <a16:creationId xmlns:a16="http://schemas.microsoft.com/office/drawing/2014/main" id="{46621F36-1267-973F-E206-277E2C14B374}"/>
               </a:ext>
             </a:extLst>
           </p:cNvPr>
@@ -2196,7 +2196,7 @@
           <p:cNvPr id="3" name="内容占位符 2">
             <a:extLst>
               <a:ext uri="{FF2B5EF4-FFF2-40B4-BE49-F238E27FC236}">
-                <a16:creationId xmlns:a16="http://schemas.microsoft.com/office/drawing/2014/main" id="{B14EDE5E-6035-67CC-124B-8D1B5DAEC68F}"/>
+                <a16:creationId xmlns:a16="http://schemas.microsoft.com/office/drawing/2014/main" id="{1A91D1F5-3BC7-CF21-0C02-22D4AD77B53A}"/>
               </a:ext>
             </a:extLst>
           </p:cNvPr>
@@ -2286,7 +2286,7 @@
           <p:cNvPr id="4" name="文本占位符 3">
             <a:extLst>
               <a:ext uri="{FF2B5EF4-FFF2-40B4-BE49-F238E27FC236}">
-                <a16:creationId xmlns:a16="http://schemas.microsoft.com/office/drawing/2014/main" id="{9B6D2276-C357-D7C8-D79F-2D97FCF59C05}"/>
+                <a16:creationId xmlns:a16="http://schemas.microsoft.com/office/drawing/2014/main" id="{AC57D8EC-C28E-B5B3-9A1D-972C9D6B4121}"/>
               </a:ext>
             </a:extLst>
           </p:cNvPr>
@@ -2357,7 +2357,7 @@
           <p:cNvPr id="5" name="日期占位符 4">
             <a:extLst>
               <a:ext uri="{FF2B5EF4-FFF2-40B4-BE49-F238E27FC236}">
-                <a16:creationId xmlns:a16="http://schemas.microsoft.com/office/drawing/2014/main" id="{DB714405-7F82-7C32-5F4D-9C5DCBDB6621}"/>
+                <a16:creationId xmlns:a16="http://schemas.microsoft.com/office/drawing/2014/main" id="{D29C1B93-2AC4-CD82-C83F-C501E64D530B}"/>
               </a:ext>
             </a:extLst>
           </p:cNvPr>
@@ -2373,7 +2373,7 @@
           <a:bodyPr/>
           <a:lstStyle/>
           <a:p>
-            <a:fld id="{9498FEF7-3AC4-42D3-8BAD-AF826BA7375D}" type="datetimeFigureOut">
+            <a:fld id="{5300CAB4-60CC-4EF6-A319-762DD7F2B643}" type="datetimeFigureOut">
               <a:rPr lang="zh-CN" altLang="en-US" smtClean="0"/>
               <a:t>2024/3/10</a:t>
             </a:fld>
@@ -2386,7 +2386,7 @@
           <p:cNvPr id="6" name="页脚占位符 5">
             <a:extLst>
               <a:ext uri="{FF2B5EF4-FFF2-40B4-BE49-F238E27FC236}">
-                <a16:creationId xmlns:a16="http://schemas.microsoft.com/office/drawing/2014/main" id="{1DB62C3C-ABCB-B24D-7C54-D718743D7816}"/>
+                <a16:creationId xmlns:a16="http://schemas.microsoft.com/office/drawing/2014/main" id="{AAF95B2A-C4B7-1E6E-0448-A60F5689F5B5}"/>
               </a:ext>
             </a:extLst>
           </p:cNvPr>
@@ -2411,7 +2411,7 @@
           <p:cNvPr id="7" name="灯片编号占位符 6">
             <a:extLst>
               <a:ext uri="{FF2B5EF4-FFF2-40B4-BE49-F238E27FC236}">
-                <a16:creationId xmlns:a16="http://schemas.microsoft.com/office/drawing/2014/main" id="{1E56A1AE-EA8F-2B42-45A7-5511DB8927AA}"/>
+                <a16:creationId xmlns:a16="http://schemas.microsoft.com/office/drawing/2014/main" id="{3A4ABD72-683C-AD60-2550-709888BA4FA0}"/>
               </a:ext>
             </a:extLst>
           </p:cNvPr>
@@ -2427,7 +2427,7 @@
           <a:bodyPr/>
           <a:lstStyle/>
           <a:p>
-            <a:fld id="{E30CFDDB-3623-411C-9577-7D3FD5A7079D}" type="slidenum">
+            <a:fld id="{9CD1CFEB-C010-4FA4-A83F-9C14DBDC4D24}" type="slidenum">
               <a:rPr lang="zh-CN" altLang="en-US" smtClean="0"/>
               <a:t>‹#›</a:t>
             </a:fld>
@@ -2438,7 +2438,7 @@
     </p:spTree>
     <p:extLst>
       <p:ext uri="{BB962C8B-B14F-4D97-AF65-F5344CB8AC3E}">
-        <p14:creationId xmlns:p14="http://schemas.microsoft.com/office/powerpoint/2010/main" val="3298033352"/>
+        <p14:creationId xmlns:p14="http://schemas.microsoft.com/office/powerpoint/2010/main" val="3085002504"/>
       </p:ext>
     </p:extLst>
   </p:cSld>
@@ -2470,7 +2470,7 @@
           <p:cNvPr id="2" name="标题 1">
             <a:extLst>
               <a:ext uri="{FF2B5EF4-FFF2-40B4-BE49-F238E27FC236}">
-                <a16:creationId xmlns:a16="http://schemas.microsoft.com/office/drawing/2014/main" id="{D28073FA-1584-FCE1-C330-C559EADADACF}"/>
+                <a16:creationId xmlns:a16="http://schemas.microsoft.com/office/drawing/2014/main" id="{70B21FDA-1A61-EF3B-FD37-962B31D35BF6}"/>
               </a:ext>
             </a:extLst>
           </p:cNvPr>
@@ -2507,7 +2507,7 @@
           <p:cNvPr id="3" name="图片占位符 2">
             <a:extLst>
               <a:ext uri="{FF2B5EF4-FFF2-40B4-BE49-F238E27FC236}">
-                <a16:creationId xmlns:a16="http://schemas.microsoft.com/office/drawing/2014/main" id="{90BB00C6-41E4-A80C-4F04-DD8DCD426895}"/>
+                <a16:creationId xmlns:a16="http://schemas.microsoft.com/office/drawing/2014/main" id="{08B73EAF-5BF8-5BFF-D382-961FF64DB43F}"/>
               </a:ext>
             </a:extLst>
           </p:cNvPr>
@@ -2574,7 +2574,7 @@
           <p:cNvPr id="4" name="文本占位符 3">
             <a:extLst>
               <a:ext uri="{FF2B5EF4-FFF2-40B4-BE49-F238E27FC236}">
-                <a16:creationId xmlns:a16="http://schemas.microsoft.com/office/drawing/2014/main" id="{9586FAD8-475E-FB54-5BD1-6D474F815EDF}"/>
+                <a16:creationId xmlns:a16="http://schemas.microsoft.com/office/drawing/2014/main" id="{69E4A7E7-EECC-7C18-D9D7-0EFE9D0CDF28}"/>
               </a:ext>
             </a:extLst>
           </p:cNvPr>
@@ -2645,7 +2645,7 @@
           <p:cNvPr id="5" name="日期占位符 4">
             <a:extLst>
               <a:ext uri="{FF2B5EF4-FFF2-40B4-BE49-F238E27FC236}">
-                <a16:creationId xmlns:a16="http://schemas.microsoft.com/office/drawing/2014/main" id="{A7CF9DF4-FC8C-0741-8869-EC680C3E82B1}"/>
+                <a16:creationId xmlns:a16="http://schemas.microsoft.com/office/drawing/2014/main" id="{547996F3-A186-35DF-2CA3-73FEFA8663D5}"/>
               </a:ext>
             </a:extLst>
           </p:cNvPr>
@@ -2661,7 +2661,7 @@
           <a:bodyPr/>
           <a:lstStyle/>
           <a:p>
-            <a:fld id="{9498FEF7-3AC4-42D3-8BAD-AF826BA7375D}" type="datetimeFigureOut">
+            <a:fld id="{5300CAB4-60CC-4EF6-A319-762DD7F2B643}" type="datetimeFigureOut">
               <a:rPr lang="zh-CN" altLang="en-US" smtClean="0"/>
               <a:t>2024/3/10</a:t>
             </a:fld>
@@ -2674,7 +2674,7 @@
           <p:cNvPr id="6" name="页脚占位符 5">
             <a:extLst>
               <a:ext uri="{FF2B5EF4-FFF2-40B4-BE49-F238E27FC236}">
-                <a16:creationId xmlns:a16="http://schemas.microsoft.com/office/drawing/2014/main" id="{924591DD-30E6-052E-18FA-6E3EFB41BB7C}"/>
+                <a16:creationId xmlns:a16="http://schemas.microsoft.com/office/drawing/2014/main" id="{F267608F-E495-EC2D-42FD-01FF9180F398}"/>
               </a:ext>
             </a:extLst>
           </p:cNvPr>
@@ -2699,7 +2699,7 @@
           <p:cNvPr id="7" name="灯片编号占位符 6">
             <a:extLst>
               <a:ext uri="{FF2B5EF4-FFF2-40B4-BE49-F238E27FC236}">
-                <a16:creationId xmlns:a16="http://schemas.microsoft.com/office/drawing/2014/main" id="{CF3FE5A3-5891-8DDD-F5F1-560B47693910}"/>
+                <a16:creationId xmlns:a16="http://schemas.microsoft.com/office/drawing/2014/main" id="{E835A501-D9DF-72A2-B5FC-C30A32063C98}"/>
               </a:ext>
             </a:extLst>
           </p:cNvPr>
@@ -2715,7 +2715,7 @@
           <a:bodyPr/>
           <a:lstStyle/>
           <a:p>
-            <a:fld id="{E30CFDDB-3623-411C-9577-7D3FD5A7079D}" type="slidenum">
+            <a:fld id="{9CD1CFEB-C010-4FA4-A83F-9C14DBDC4D24}" type="slidenum">
               <a:rPr lang="zh-CN" altLang="en-US" smtClean="0"/>
               <a:t>‹#›</a:t>
             </a:fld>
@@ -2726,7 +2726,7 @@
     </p:spTree>
     <p:extLst>
       <p:ext uri="{BB962C8B-B14F-4D97-AF65-F5344CB8AC3E}">
-        <p14:creationId xmlns:p14="http://schemas.microsoft.com/office/powerpoint/2010/main" val="3026297206"/>
+        <p14:creationId xmlns:p14="http://schemas.microsoft.com/office/powerpoint/2010/main" val="1758721980"/>
       </p:ext>
     </p:extLst>
   </p:cSld>
@@ -2763,7 +2763,7 @@
           <p:cNvPr id="2" name="标题占位符 1">
             <a:extLst>
               <a:ext uri="{FF2B5EF4-FFF2-40B4-BE49-F238E27FC236}">
-                <a16:creationId xmlns:a16="http://schemas.microsoft.com/office/drawing/2014/main" id="{17E80794-1493-3A14-659F-E5A3D3EADC1F}"/>
+                <a16:creationId xmlns:a16="http://schemas.microsoft.com/office/drawing/2014/main" id="{CCDDA5DF-AA4F-BD0B-3846-864A9989FA11}"/>
               </a:ext>
             </a:extLst>
           </p:cNvPr>
@@ -2801,7 +2801,7 @@
           <p:cNvPr id="3" name="文本占位符 2">
             <a:extLst>
               <a:ext uri="{FF2B5EF4-FFF2-40B4-BE49-F238E27FC236}">
-                <a16:creationId xmlns:a16="http://schemas.microsoft.com/office/drawing/2014/main" id="{F30D9EA0-930A-2E73-641D-DF652FE38A60}"/>
+                <a16:creationId xmlns:a16="http://schemas.microsoft.com/office/drawing/2014/main" id="{258EB18D-E921-C36F-1BC1-FF6A0914F921}"/>
               </a:ext>
             </a:extLst>
           </p:cNvPr>
@@ -2868,7 +2868,7 @@
           <p:cNvPr id="4" name="日期占位符 3">
             <a:extLst>
               <a:ext uri="{FF2B5EF4-FFF2-40B4-BE49-F238E27FC236}">
-                <a16:creationId xmlns:a16="http://schemas.microsoft.com/office/drawing/2014/main" id="{E53FF72D-8D28-D488-CA31-9A2A7CA23221}"/>
+                <a16:creationId xmlns:a16="http://schemas.microsoft.com/office/drawing/2014/main" id="{0102605D-FAD7-2020-A8C2-6807C79D17E9}"/>
               </a:ext>
             </a:extLst>
           </p:cNvPr>
@@ -2902,7 +2902,7 @@
             </a:lvl1pPr>
           </a:lstStyle>
           <a:p>
-            <a:fld id="{9498FEF7-3AC4-42D3-8BAD-AF826BA7375D}" type="datetimeFigureOut">
+            <a:fld id="{5300CAB4-60CC-4EF6-A319-762DD7F2B643}" type="datetimeFigureOut">
               <a:rPr lang="zh-CN" altLang="en-US" smtClean="0"/>
               <a:t>2024/3/10</a:t>
             </a:fld>
@@ -2915,7 +2915,7 @@
           <p:cNvPr id="5" name="页脚占位符 4">
             <a:extLst>
               <a:ext uri="{FF2B5EF4-FFF2-40B4-BE49-F238E27FC236}">
-                <a16:creationId xmlns:a16="http://schemas.microsoft.com/office/drawing/2014/main" id="{41E10B81-A23C-AABD-E6DB-3AB5FAB5ACAE}"/>
+                <a16:creationId xmlns:a16="http://schemas.microsoft.com/office/drawing/2014/main" id="{45EB147F-27AC-F5BF-B566-DF3529487522}"/>
               </a:ext>
             </a:extLst>
           </p:cNvPr>
@@ -2958,7 +2958,7 @@
           <p:cNvPr id="6" name="灯片编号占位符 5">
             <a:extLst>
               <a:ext uri="{FF2B5EF4-FFF2-40B4-BE49-F238E27FC236}">
-                <a16:creationId xmlns:a16="http://schemas.microsoft.com/office/drawing/2014/main" id="{44A56B52-2568-107A-6DAB-6CCDEF455C27}"/>
+                <a16:creationId xmlns:a16="http://schemas.microsoft.com/office/drawing/2014/main" id="{5FC7FDBD-9552-B57F-2F0D-D51FAE85E03F}"/>
               </a:ext>
             </a:extLst>
           </p:cNvPr>
@@ -2992,7 +2992,7 @@
             </a:lvl1pPr>
           </a:lstStyle>
           <a:p>
-            <a:fld id="{E30CFDDB-3623-411C-9577-7D3FD5A7079D}" type="slidenum">
+            <a:fld id="{9CD1CFEB-C010-4FA4-A83F-9C14DBDC4D24}" type="slidenum">
               <a:rPr lang="zh-CN" altLang="en-US" smtClean="0"/>
               <a:t>‹#›</a:t>
             </a:fld>
@@ -3003,7 +3003,7 @@
     </p:spTree>
     <p:extLst>
       <p:ext uri="{BB962C8B-B14F-4D97-AF65-F5344CB8AC3E}">
-        <p14:creationId xmlns:p14="http://schemas.microsoft.com/office/powerpoint/2010/main" val="2505802555"/>
+        <p14:creationId xmlns:p14="http://schemas.microsoft.com/office/powerpoint/2010/main" val="3228431263"/>
       </p:ext>
     </p:extLst>
   </p:cSld>
